--- a/2023/Диплом/Рома Павлов/Презентация Рома.pptx
+++ b/2023/Диплом/Рома Павлов/Презентация Рома.pptx
@@ -10,11 +10,10 @@
     <p:sldId id="258" r:id="rId4"/>
     <p:sldId id="259" r:id="rId5"/>
     <p:sldId id="260" r:id="rId6"/>
-    <p:sldId id="262" r:id="rId7"/>
-    <p:sldId id="263" r:id="rId8"/>
-    <p:sldId id="264" r:id="rId9"/>
-    <p:sldId id="265" r:id="rId10"/>
-    <p:sldId id="266" r:id="rId11"/>
+    <p:sldId id="263" r:id="rId7"/>
+    <p:sldId id="264" r:id="rId8"/>
+    <p:sldId id="265" r:id="rId9"/>
+    <p:sldId id="266" r:id="rId10"/>
   </p:sldIdLst>
   <p:sldSz cx="12192000" cy="6858000"/>
   <p:notesSz cx="6858000" cy="9144000"/>
@@ -113,6 +112,11 @@
       </a:defRPr>
     </a:lvl9pPr>
   </p:defaultTextStyle>
+  <p:extLst>
+    <p:ext uri="{EFAFB233-063F-42B5-8137-9DF3F51BA10A}">
+      <p15:sldGuideLst xmlns:p15="http://schemas.microsoft.com/office/powerpoint/2012/main"/>
+    </p:ext>
+  </p:extLst>
 </p:presentation>
 </file>
 
@@ -838,7 +842,7 @@
           <a:p>
             <a:fld id="{8720104C-3C9D-4B62-9936-5C987D21D7C9}" type="datetimeFigureOut">
               <a:rPr lang="ru-RU" smtClean="0"/>
-              <a:t>23.04.2023</a:t>
+              <a:t>13.05.2023</a:t>
             </a:fld>
             <a:endParaRPr lang="ru-RU"/>
           </a:p>
@@ -1089,7 +1093,7 @@
           <a:p>
             <a:fld id="{8720104C-3C9D-4B62-9936-5C987D21D7C9}" type="datetimeFigureOut">
               <a:rPr lang="ru-RU" smtClean="0"/>
-              <a:t>23.04.2023</a:t>
+              <a:t>13.05.2023</a:t>
             </a:fld>
             <a:endParaRPr lang="ru-RU"/>
           </a:p>
@@ -1403,7 +1407,7 @@
           <a:p>
             <a:fld id="{8720104C-3C9D-4B62-9936-5C987D21D7C9}" type="datetimeFigureOut">
               <a:rPr lang="ru-RU" smtClean="0"/>
-              <a:t>23.04.2023</a:t>
+              <a:t>13.05.2023</a:t>
             </a:fld>
             <a:endParaRPr lang="ru-RU"/>
           </a:p>
@@ -1744,7 +1748,7 @@
           <a:p>
             <a:fld id="{8720104C-3C9D-4B62-9936-5C987D21D7C9}" type="datetimeFigureOut">
               <a:rPr lang="ru-RU" smtClean="0"/>
-              <a:t>23.04.2023</a:t>
+              <a:t>13.05.2023</a:t>
             </a:fld>
             <a:endParaRPr lang="ru-RU"/>
           </a:p>
@@ -2058,7 +2062,7 @@
           <a:p>
             <a:fld id="{8720104C-3C9D-4B62-9936-5C987D21D7C9}" type="datetimeFigureOut">
               <a:rPr lang="ru-RU" smtClean="0"/>
-              <a:t>23.04.2023</a:t>
+              <a:t>13.05.2023</a:t>
             </a:fld>
             <a:endParaRPr lang="ru-RU"/>
           </a:p>
@@ -2451,7 +2455,7 @@
           <a:p>
             <a:fld id="{8720104C-3C9D-4B62-9936-5C987D21D7C9}" type="datetimeFigureOut">
               <a:rPr lang="ru-RU" smtClean="0"/>
-              <a:t>23.04.2023</a:t>
+              <a:t>13.05.2023</a:t>
             </a:fld>
             <a:endParaRPr lang="ru-RU"/>
           </a:p>
@@ -2621,7 +2625,7 @@
           <a:p>
             <a:fld id="{8720104C-3C9D-4B62-9936-5C987D21D7C9}" type="datetimeFigureOut">
               <a:rPr lang="ru-RU" smtClean="0"/>
-              <a:t>23.04.2023</a:t>
+              <a:t>13.05.2023</a:t>
             </a:fld>
             <a:endParaRPr lang="ru-RU"/>
           </a:p>
@@ -2801,7 +2805,7 @@
           <a:p>
             <a:fld id="{8720104C-3C9D-4B62-9936-5C987D21D7C9}" type="datetimeFigureOut">
               <a:rPr lang="ru-RU" smtClean="0"/>
-              <a:t>23.04.2023</a:t>
+              <a:t>13.05.2023</a:t>
             </a:fld>
             <a:endParaRPr lang="ru-RU"/>
           </a:p>
@@ -2977,7 +2981,7 @@
           <a:p>
             <a:fld id="{8720104C-3C9D-4B62-9936-5C987D21D7C9}" type="datetimeFigureOut">
               <a:rPr lang="ru-RU" smtClean="0"/>
-              <a:t>23.04.2023</a:t>
+              <a:t>13.05.2023</a:t>
             </a:fld>
             <a:endParaRPr lang="ru-RU"/>
           </a:p>
@@ -3224,7 +3228,7 @@
           <a:p>
             <a:fld id="{8720104C-3C9D-4B62-9936-5C987D21D7C9}" type="datetimeFigureOut">
               <a:rPr lang="ru-RU" smtClean="0"/>
-              <a:t>23.04.2023</a:t>
+              <a:t>13.05.2023</a:t>
             </a:fld>
             <a:endParaRPr lang="ru-RU"/>
           </a:p>
@@ -3456,7 +3460,7 @@
           <a:p>
             <a:fld id="{8720104C-3C9D-4B62-9936-5C987D21D7C9}" type="datetimeFigureOut">
               <a:rPr lang="ru-RU" smtClean="0"/>
-              <a:t>23.04.2023</a:t>
+              <a:t>13.05.2023</a:t>
             </a:fld>
             <a:endParaRPr lang="ru-RU"/>
           </a:p>
@@ -3830,7 +3834,7 @@
           <a:p>
             <a:fld id="{8720104C-3C9D-4B62-9936-5C987D21D7C9}" type="datetimeFigureOut">
               <a:rPr lang="ru-RU" smtClean="0"/>
-              <a:t>23.04.2023</a:t>
+              <a:t>13.05.2023</a:t>
             </a:fld>
             <a:endParaRPr lang="ru-RU"/>
           </a:p>
@@ -3953,7 +3957,7 @@
           <a:p>
             <a:fld id="{8720104C-3C9D-4B62-9936-5C987D21D7C9}" type="datetimeFigureOut">
               <a:rPr lang="ru-RU" smtClean="0"/>
-              <a:t>23.04.2023</a:t>
+              <a:t>13.05.2023</a:t>
             </a:fld>
             <a:endParaRPr lang="ru-RU"/>
           </a:p>
@@ -4048,7 +4052,7 @@
           <a:p>
             <a:fld id="{8720104C-3C9D-4B62-9936-5C987D21D7C9}" type="datetimeFigureOut">
               <a:rPr lang="ru-RU" smtClean="0"/>
-              <a:t>23.04.2023</a:t>
+              <a:t>13.05.2023</a:t>
             </a:fld>
             <a:endParaRPr lang="ru-RU"/>
           </a:p>
@@ -4303,7 +4307,7 @@
           <a:p>
             <a:fld id="{8720104C-3C9D-4B62-9936-5C987D21D7C9}" type="datetimeFigureOut">
               <a:rPr lang="ru-RU" smtClean="0"/>
-              <a:t>23.04.2023</a:t>
+              <a:t>13.05.2023</a:t>
             </a:fld>
             <a:endParaRPr lang="ru-RU"/>
           </a:p>
@@ -4566,7 +4570,7 @@
           <a:p>
             <a:fld id="{8720104C-3C9D-4B62-9936-5C987D21D7C9}" type="datetimeFigureOut">
               <a:rPr lang="ru-RU" smtClean="0"/>
-              <a:t>23.04.2023</a:t>
+              <a:t>13.05.2023</a:t>
             </a:fld>
             <a:endParaRPr lang="ru-RU"/>
           </a:p>
@@ -5309,7 +5313,7 @@
           <a:p>
             <a:fld id="{8720104C-3C9D-4B62-9936-5C987D21D7C9}" type="datetimeFigureOut">
               <a:rPr lang="ru-RU" smtClean="0"/>
-              <a:t>23.04.2023</a:t>
+              <a:t>13.05.2023</a:t>
             </a:fld>
             <a:endParaRPr lang="ru-RU"/>
           </a:p>
@@ -5882,13 +5886,6 @@
               </a:rPr>
               <a:t>автоматизация технологического узла полимеризации сэвилена</a:t>
             </a:r>
-            <a:endParaRPr lang="ru-RU" dirty="0">
-              <a:solidFill>
-                <a:schemeClr val="tx1"/>
-              </a:solidFill>
-              <a:latin typeface="Times New Roman" panose="02020603050405020304" pitchFamily="18" charset="0"/>
-              <a:cs typeface="Times New Roman" panose="02020603050405020304" pitchFamily="18" charset="0"/>
-            </a:endParaRPr>
           </a:p>
         </p:txBody>
       </p:sp>
@@ -5970,78 +5967,6 @@
     <p:extLst>
       <p:ext uri="{BB962C8B-B14F-4D97-AF65-F5344CB8AC3E}">
         <p14:creationId xmlns:p14="http://schemas.microsoft.com/office/powerpoint/2010/main" val="1646494655"/>
-      </p:ext>
-    </p:extLst>
-  </p:cSld>
-  <p:clrMapOvr>
-    <a:masterClrMapping/>
-  </p:clrMapOvr>
-</p:sld>
-</file>
-
-<file path=ppt/slides/slide10.xml><?xml version="1.0" encoding="utf-8"?>
-<p:sld xmlns:a="http://schemas.openxmlformats.org/drawingml/2006/main" xmlns:r="http://schemas.openxmlformats.org/officeDocument/2006/relationships" xmlns:p="http://schemas.openxmlformats.org/presentationml/2006/main">
-  <p:cSld>
-    <p:spTree>
-      <p:nvGrpSpPr>
-        <p:cNvPr id="1" name=""/>
-        <p:cNvGrpSpPr/>
-        <p:nvPr/>
-      </p:nvGrpSpPr>
-      <p:grpSpPr>
-        <a:xfrm>
-          <a:off x="0" y="0"/>
-          <a:ext cx="0" cy="0"/>
-          <a:chOff x="0" y="0"/>
-          <a:chExt cx="0" cy="0"/>
-        </a:xfrm>
-      </p:grpSpPr>
-      <p:sp>
-        <p:nvSpPr>
-          <p:cNvPr id="2" name="Заголовок 1"/>
-          <p:cNvSpPr>
-            <a:spLocks noGrp="1"/>
-          </p:cNvSpPr>
-          <p:nvPr>
-            <p:ph type="title"/>
-          </p:nvPr>
-        </p:nvSpPr>
-        <p:spPr>
-          <a:xfrm>
-            <a:off x="1633298" y="2632364"/>
-            <a:ext cx="8596668" cy="1320800"/>
-          </a:xfrm>
-        </p:spPr>
-        <p:txBody>
-          <a:bodyPr>
-            <a:normAutofit/>
-          </a:bodyPr>
-          <a:lstStyle/>
-          <a:p>
-            <a:r>
-              <a:rPr lang="ru-RU" sz="6000" dirty="0" smtClean="0">
-                <a:solidFill>
-                  <a:schemeClr val="tx1"/>
-                </a:solidFill>
-                <a:latin typeface="Times New Roman" panose="02020603050405020304" pitchFamily="18" charset="0"/>
-                <a:cs typeface="Times New Roman" panose="02020603050405020304" pitchFamily="18" charset="0"/>
-              </a:rPr>
-              <a:t>Спасибо за просмотр!</a:t>
-            </a:r>
-            <a:endParaRPr lang="ru-RU" sz="6000" dirty="0">
-              <a:solidFill>
-                <a:schemeClr val="tx1"/>
-              </a:solidFill>
-              <a:latin typeface="Times New Roman" panose="02020603050405020304" pitchFamily="18" charset="0"/>
-              <a:cs typeface="Times New Roman" panose="02020603050405020304" pitchFamily="18" charset="0"/>
-            </a:endParaRPr>
-          </a:p>
-        </p:txBody>
-      </p:sp>
-    </p:spTree>
-    <p:extLst>
-      <p:ext uri="{BB962C8B-B14F-4D97-AF65-F5344CB8AC3E}">
-        <p14:creationId xmlns:p14="http://schemas.microsoft.com/office/powerpoint/2010/main" val="3035190050"/>
       </p:ext>
     </p:extLst>
   </p:cSld>
@@ -6121,13 +6046,13 @@
         </p:nvSpPr>
         <p:spPr>
           <a:xfrm>
-            <a:off x="552643" y="1316182"/>
-            <a:ext cx="10226193" cy="4725180"/>
+            <a:off x="552644" y="1316182"/>
+            <a:ext cx="6956520" cy="4725180"/>
           </a:xfrm>
         </p:spPr>
         <p:txBody>
           <a:bodyPr>
-            <a:normAutofit/>
+            <a:normAutofit lnSpcReduction="10000"/>
           </a:bodyPr>
           <a:lstStyle/>
           <a:p>
@@ -6136,7 +6061,7 @@
               <a:buChar char="•"/>
             </a:pPr>
             <a:r>
-              <a:rPr lang="ru-RU" sz="2800" dirty="0">
+              <a:rPr lang="ru-RU" sz="2400" dirty="0">
                 <a:solidFill>
                   <a:schemeClr val="tx1"/>
                 </a:solidFill>
@@ -6146,7 +6071,7 @@
               <a:t>ОПИСАНИЕ ТЕХНОЛОГИЧЕСКОГО </a:t>
             </a:r>
             <a:r>
-              <a:rPr lang="ru-RU" sz="2800" dirty="0" smtClean="0">
+              <a:rPr lang="ru-RU" sz="2400" dirty="0" smtClean="0">
                 <a:solidFill>
                   <a:schemeClr val="tx1"/>
                 </a:solidFill>
@@ -6162,7 +6087,7 @@
               <a:buChar char="•"/>
             </a:pPr>
             <a:r>
-              <a:rPr lang="ru-RU" sz="2800" dirty="0" smtClean="0">
+              <a:rPr lang="ru-RU" sz="2400" dirty="0" smtClean="0">
                 <a:solidFill>
                   <a:schemeClr val="tx1"/>
                 </a:solidFill>
@@ -6178,7 +6103,7 @@
               <a:buChar char="•"/>
             </a:pPr>
             <a:r>
-              <a:rPr lang="ru-RU" sz="2800" dirty="0" smtClean="0">
+              <a:rPr lang="ru-RU" sz="2400" dirty="0" smtClean="0">
                 <a:solidFill>
                   <a:schemeClr val="tx1"/>
                 </a:solidFill>
@@ -6194,7 +6119,7 @@
               <a:buChar char="•"/>
             </a:pPr>
             <a:r>
-              <a:rPr lang="ru-RU" sz="2800" dirty="0" smtClean="0">
+              <a:rPr lang="ru-RU" sz="2400" dirty="0" smtClean="0">
                 <a:solidFill>
                   <a:schemeClr val="tx1"/>
                 </a:solidFill>
@@ -6210,7 +6135,7 @@
               <a:buChar char="•"/>
             </a:pPr>
             <a:r>
-              <a:rPr lang="ru-RU" sz="2800" dirty="0" smtClean="0">
+              <a:rPr lang="ru-RU" sz="2400" dirty="0" smtClean="0">
                 <a:solidFill>
                   <a:schemeClr val="tx1"/>
                 </a:solidFill>
@@ -6220,24 +6145,14 @@
               <a:t>СХЕМА </a:t>
             </a:r>
             <a:r>
-              <a:rPr lang="ru-RU" sz="2800" dirty="0">
+              <a:rPr lang="ru-RU" sz="2400" dirty="0">
                 <a:solidFill>
                   <a:schemeClr val="tx1"/>
                 </a:solidFill>
                 <a:latin typeface="Times New Roman" panose="02020603050405020304" pitchFamily="18" charset="0"/>
                 <a:cs typeface="Times New Roman" panose="02020603050405020304" pitchFamily="18" charset="0"/>
               </a:rPr>
-              <a:t>ШКАФА </a:t>
-            </a:r>
-            <a:r>
-              <a:rPr lang="ru-RU" sz="2800" dirty="0">
-                <a:solidFill>
-                  <a:schemeClr val="tx1"/>
-                </a:solidFill>
-                <a:latin typeface="Times New Roman" panose="02020603050405020304" pitchFamily="18" charset="0"/>
-                <a:cs typeface="Times New Roman" panose="02020603050405020304" pitchFamily="18" charset="0"/>
-              </a:rPr>
-              <a:t>УПРАВЛЕНИЯ</a:t>
+              <a:t>ШКАФА УПРАВЛЕНИЯ</a:t>
             </a:r>
           </a:p>
           <a:p>
@@ -6246,7 +6161,7 @@
               <a:buChar char="•"/>
             </a:pPr>
             <a:r>
-              <a:rPr lang="ru-RU" sz="2800" dirty="0">
+              <a:rPr lang="ru-RU" sz="2400" dirty="0">
                 <a:solidFill>
                   <a:schemeClr val="tx1"/>
                 </a:solidFill>
@@ -6262,7 +6177,7 @@
               <a:buChar char="•"/>
             </a:pPr>
             <a:r>
-              <a:rPr lang="ru-RU" sz="2800" dirty="0">
+              <a:rPr lang="ru-RU" sz="2400" dirty="0">
                 <a:solidFill>
                   <a:schemeClr val="tx1"/>
                 </a:solidFill>
@@ -6274,6 +6189,47 @@
           </a:p>
         </p:txBody>
       </p:sp>
+      <p:pic>
+        <p:nvPicPr>
+          <p:cNvPr id="1026" name="Picture 2" descr="На Иркутском заводе полимеров установили реактор полимеризации - ИНК"/>
+          <p:cNvPicPr>
+            <a:picLocks noChangeAspect="1" noChangeArrowheads="1"/>
+          </p:cNvPicPr>
+          <p:nvPr/>
+        </p:nvPicPr>
+        <p:blipFill>
+          <a:blip r:embed="rId2">
+            <a:extLst>
+              <a:ext uri="{28A0092B-C50C-407E-A947-70E740481C1C}">
+                <a14:useLocalDpi xmlns:a14="http://schemas.microsoft.com/office/drawing/2010/main" val="0"/>
+              </a:ext>
+            </a:extLst>
+          </a:blip>
+          <a:srcRect/>
+          <a:stretch>
+            <a:fillRect/>
+          </a:stretch>
+        </p:blipFill>
+        <p:spPr bwMode="auto">
+          <a:xfrm>
+            <a:off x="6967910" y="1634837"/>
+            <a:ext cx="5118725" cy="3408218"/>
+          </a:xfrm>
+          <a:prstGeom prst="rect">
+            <a:avLst/>
+          </a:prstGeom>
+          <a:noFill/>
+          <a:extLst>
+            <a:ext uri="{909E8E84-426E-40DD-AFC4-6F175D3DCCD1}">
+              <a14:hiddenFill xmlns:a14="http://schemas.microsoft.com/office/drawing/2010/main">
+                <a:solidFill>
+                  <a:srgbClr val="FFFFFF"/>
+                </a:solidFill>
+              </a14:hiddenFill>
+            </a:ext>
+          </a:extLst>
+        </p:spPr>
+      </p:pic>
     </p:spTree>
     <p:extLst>
       <p:ext uri="{BB962C8B-B14F-4D97-AF65-F5344CB8AC3E}">
@@ -6334,25 +6290,8 @@
                 <a:latin typeface="Times New Roman" panose="02020603050405020304" pitchFamily="18" charset="0"/>
                 <a:cs typeface="Times New Roman" panose="02020603050405020304" pitchFamily="18" charset="0"/>
               </a:rPr>
-              <a:t>ОПИСАНИЕ ТЕХНОЛОГИЧЕСКОГО </a:t>
-            </a:r>
-            <a:r>
-              <a:rPr lang="ru-RU" sz="4400" dirty="0">
-                <a:solidFill>
-                  <a:schemeClr val="tx1"/>
-                </a:solidFill>
-                <a:latin typeface="Times New Roman" panose="02020603050405020304" pitchFamily="18" charset="0"/>
-                <a:cs typeface="Times New Roman" panose="02020603050405020304" pitchFamily="18" charset="0"/>
-              </a:rPr>
-              <a:t>ПРОЦЕССА</a:t>
-            </a:r>
-            <a:endParaRPr lang="ru-RU" sz="4400" dirty="0">
-              <a:solidFill>
-                <a:schemeClr val="tx1"/>
-              </a:solidFill>
-              <a:latin typeface="Times New Roman" panose="02020603050405020304" pitchFamily="18" charset="0"/>
-              <a:cs typeface="Times New Roman" panose="02020603050405020304" pitchFamily="18" charset="0"/>
-            </a:endParaRPr>
+              <a:t>ОПИСАНИЕ ТЕХНОЛОГИЧЕСКОГО ПРОЦЕССА</a:t>
+            </a:r>
           </a:p>
         </p:txBody>
       </p:sp>
@@ -6634,109 +6573,6 @@
             <p:ph type="title"/>
           </p:nvPr>
         </p:nvSpPr>
-        <p:spPr/>
-        <p:txBody>
-          <a:bodyPr/>
-          <a:lstStyle/>
-          <a:p>
-            <a:r>
-              <a:rPr lang="ru-RU" dirty="0">
-                <a:solidFill>
-                  <a:schemeClr val="tx1"/>
-                </a:solidFill>
-                <a:latin typeface="Times New Roman" panose="02020603050405020304" pitchFamily="18" charset="0"/>
-                <a:cs typeface="Times New Roman" panose="02020603050405020304" pitchFamily="18" charset="0"/>
-              </a:rPr>
-              <a:t>РАСЧЕТ НАСТРОЕК </a:t>
-            </a:r>
-            <a:r>
-              <a:rPr lang="ru-RU" dirty="0" smtClean="0">
-                <a:solidFill>
-                  <a:schemeClr val="tx1"/>
-                </a:solidFill>
-                <a:latin typeface="Times New Roman" panose="02020603050405020304" pitchFamily="18" charset="0"/>
-                <a:cs typeface="Times New Roman" panose="02020603050405020304" pitchFamily="18" charset="0"/>
-              </a:rPr>
-              <a:t>РЕГУЛЯТОР</a:t>
-            </a:r>
-            <a:endParaRPr lang="ru-RU" dirty="0"/>
-          </a:p>
-        </p:txBody>
-      </p:sp>
-      <p:pic>
-        <p:nvPicPr>
-          <p:cNvPr id="4" name="Объект 3"/>
-          <p:cNvPicPr>
-            <a:picLocks noGrp="1"/>
-          </p:cNvPicPr>
-          <p:nvPr>
-            <p:ph idx="1"/>
-          </p:nvPr>
-        </p:nvPicPr>
-        <p:blipFill>
-          <a:blip r:embed="rId2"/>
-          <a:srcRect/>
-          <a:stretch>
-            <a:fillRect/>
-          </a:stretch>
-        </p:blipFill>
-        <p:spPr bwMode="auto">
-          <a:xfrm>
-            <a:off x="1148389" y="1500807"/>
-            <a:ext cx="9935248" cy="4622901"/>
-          </a:xfrm>
-          <a:prstGeom prst="rect">
-            <a:avLst/>
-          </a:prstGeom>
-          <a:noFill/>
-          <a:ln w="9525">
-            <a:noFill/>
-            <a:miter lim="800000"/>
-            <a:headEnd/>
-            <a:tailEnd/>
-          </a:ln>
-        </p:spPr>
-      </p:pic>
-    </p:spTree>
-    <p:extLst>
-      <p:ext uri="{BB962C8B-B14F-4D97-AF65-F5344CB8AC3E}">
-        <p14:creationId xmlns:p14="http://schemas.microsoft.com/office/powerpoint/2010/main" val="846680110"/>
-      </p:ext>
-    </p:extLst>
-  </p:cSld>
-  <p:clrMapOvr>
-    <a:masterClrMapping/>
-  </p:clrMapOvr>
-</p:sld>
-</file>
-
-<file path=ppt/slides/slide7.xml><?xml version="1.0" encoding="utf-8"?>
-<p:sld xmlns:a="http://schemas.openxmlformats.org/drawingml/2006/main" xmlns:r="http://schemas.openxmlformats.org/officeDocument/2006/relationships" xmlns:p="http://schemas.openxmlformats.org/presentationml/2006/main">
-  <p:cSld>
-    <p:spTree>
-      <p:nvGrpSpPr>
-        <p:cNvPr id="1" name=""/>
-        <p:cNvGrpSpPr/>
-        <p:nvPr/>
-      </p:nvGrpSpPr>
-      <p:grpSpPr>
-        <a:xfrm>
-          <a:off x="0" y="0"/>
-          <a:ext cx="0" cy="0"/>
-          <a:chOff x="0" y="0"/>
-          <a:chExt cx="0" cy="0"/>
-        </a:xfrm>
-      </p:grpSpPr>
-      <p:sp>
-        <p:nvSpPr>
-          <p:cNvPr id="2" name="Заголовок 1"/>
-          <p:cNvSpPr>
-            <a:spLocks noGrp="1"/>
-          </p:cNvSpPr>
-          <p:nvPr>
-            <p:ph type="title"/>
-          </p:nvPr>
-        </p:nvSpPr>
         <p:spPr>
           <a:xfrm>
             <a:off x="304799" y="277091"/>
@@ -6856,7 +6692,7 @@
 </p:sld>
 </file>
 
-<file path=ppt/slides/slide8.xml><?xml version="1.0" encoding="utf-8"?>
+<file path=ppt/slides/slide7.xml><?xml version="1.0" encoding="utf-8"?>
 <p:sld xmlns:a="http://schemas.openxmlformats.org/drawingml/2006/main" xmlns:r="http://schemas.openxmlformats.org/officeDocument/2006/relationships" xmlns:p="http://schemas.openxmlformats.org/presentationml/2006/main">
   <p:cSld>
     <p:spTree>
@@ -6975,7 +6811,7 @@
 </p:sld>
 </file>
 
-<file path=ppt/slides/slide9.xml><?xml version="1.0" encoding="utf-8"?>
+<file path=ppt/slides/slide8.xml><?xml version="1.0" encoding="utf-8"?>
 <p:sld xmlns:a="http://schemas.openxmlformats.org/drawingml/2006/main" xmlns:r="http://schemas.openxmlformats.org/officeDocument/2006/relationships" xmlns:p="http://schemas.openxmlformats.org/presentationml/2006/main">
   <p:cSld>
     <p:spTree>
@@ -7080,6 +6916,78 @@
     <p:extLst>
       <p:ext uri="{BB962C8B-B14F-4D97-AF65-F5344CB8AC3E}">
         <p14:creationId xmlns:p14="http://schemas.microsoft.com/office/powerpoint/2010/main" val="907799190"/>
+      </p:ext>
+    </p:extLst>
+  </p:cSld>
+  <p:clrMapOvr>
+    <a:masterClrMapping/>
+  </p:clrMapOvr>
+</p:sld>
+</file>
+
+<file path=ppt/slides/slide9.xml><?xml version="1.0" encoding="utf-8"?>
+<p:sld xmlns:a="http://schemas.openxmlformats.org/drawingml/2006/main" xmlns:r="http://schemas.openxmlformats.org/officeDocument/2006/relationships" xmlns:p="http://schemas.openxmlformats.org/presentationml/2006/main">
+  <p:cSld>
+    <p:spTree>
+      <p:nvGrpSpPr>
+        <p:cNvPr id="1" name=""/>
+        <p:cNvGrpSpPr/>
+        <p:nvPr/>
+      </p:nvGrpSpPr>
+      <p:grpSpPr>
+        <a:xfrm>
+          <a:off x="0" y="0"/>
+          <a:ext cx="0" cy="0"/>
+          <a:chOff x="0" y="0"/>
+          <a:chExt cx="0" cy="0"/>
+        </a:xfrm>
+      </p:grpSpPr>
+      <p:sp>
+        <p:nvSpPr>
+          <p:cNvPr id="2" name="Заголовок 1"/>
+          <p:cNvSpPr>
+            <a:spLocks noGrp="1"/>
+          </p:cNvSpPr>
+          <p:nvPr>
+            <p:ph type="title"/>
+          </p:nvPr>
+        </p:nvSpPr>
+        <p:spPr>
+          <a:xfrm>
+            <a:off x="1633298" y="2632364"/>
+            <a:ext cx="8596668" cy="1320800"/>
+          </a:xfrm>
+        </p:spPr>
+        <p:txBody>
+          <a:bodyPr>
+            <a:normAutofit/>
+          </a:bodyPr>
+          <a:lstStyle/>
+          <a:p>
+            <a:r>
+              <a:rPr lang="ru-RU" sz="6000" dirty="0" smtClean="0">
+                <a:solidFill>
+                  <a:schemeClr val="tx1"/>
+                </a:solidFill>
+                <a:latin typeface="Times New Roman" panose="02020603050405020304" pitchFamily="18" charset="0"/>
+                <a:cs typeface="Times New Roman" panose="02020603050405020304" pitchFamily="18" charset="0"/>
+              </a:rPr>
+              <a:t>Спасибо за просмотр!</a:t>
+            </a:r>
+            <a:endParaRPr lang="ru-RU" sz="6000" dirty="0">
+              <a:solidFill>
+                <a:schemeClr val="tx1"/>
+              </a:solidFill>
+              <a:latin typeface="Times New Roman" panose="02020603050405020304" pitchFamily="18" charset="0"/>
+              <a:cs typeface="Times New Roman" panose="02020603050405020304" pitchFamily="18" charset="0"/>
+            </a:endParaRPr>
+          </a:p>
+        </p:txBody>
+      </p:sp>
+    </p:spTree>
+    <p:extLst>
+      <p:ext uri="{BB962C8B-B14F-4D97-AF65-F5344CB8AC3E}">
+        <p14:creationId xmlns:p14="http://schemas.microsoft.com/office/powerpoint/2010/main" val="3035190050"/>
       </p:ext>
     </p:extLst>
   </p:cSld>

--- a/2023/Диплом/Рома Павлов/Презентация Рома.pptx
+++ b/2023/Диплом/Рома Павлов/Презентация Рома.pptx
@@ -11,8 +11,8 @@
     <p:sldId id="259" r:id="rId5"/>
     <p:sldId id="260" r:id="rId6"/>
     <p:sldId id="263" r:id="rId7"/>
-    <p:sldId id="264" r:id="rId8"/>
-    <p:sldId id="265" r:id="rId9"/>
+    <p:sldId id="267" r:id="rId8"/>
+    <p:sldId id="268" r:id="rId9"/>
     <p:sldId id="266" r:id="rId10"/>
   </p:sldIdLst>
   <p:sldSz cx="12192000" cy="6858000"/>
@@ -842,7 +842,7 @@
           <a:p>
             <a:fld id="{8720104C-3C9D-4B62-9936-5C987D21D7C9}" type="datetimeFigureOut">
               <a:rPr lang="ru-RU" smtClean="0"/>
-              <a:t>13.05.2023</a:t>
+              <a:t>01.06.2023</a:t>
             </a:fld>
             <a:endParaRPr lang="ru-RU"/>
           </a:p>
@@ -1093,7 +1093,7 @@
           <a:p>
             <a:fld id="{8720104C-3C9D-4B62-9936-5C987D21D7C9}" type="datetimeFigureOut">
               <a:rPr lang="ru-RU" smtClean="0"/>
-              <a:t>13.05.2023</a:t>
+              <a:t>01.06.2023</a:t>
             </a:fld>
             <a:endParaRPr lang="ru-RU"/>
           </a:p>
@@ -1407,7 +1407,7 @@
           <a:p>
             <a:fld id="{8720104C-3C9D-4B62-9936-5C987D21D7C9}" type="datetimeFigureOut">
               <a:rPr lang="ru-RU" smtClean="0"/>
-              <a:t>13.05.2023</a:t>
+              <a:t>01.06.2023</a:t>
             </a:fld>
             <a:endParaRPr lang="ru-RU"/>
           </a:p>
@@ -1748,7 +1748,7 @@
           <a:p>
             <a:fld id="{8720104C-3C9D-4B62-9936-5C987D21D7C9}" type="datetimeFigureOut">
               <a:rPr lang="ru-RU" smtClean="0"/>
-              <a:t>13.05.2023</a:t>
+              <a:t>01.06.2023</a:t>
             </a:fld>
             <a:endParaRPr lang="ru-RU"/>
           </a:p>
@@ -2062,7 +2062,7 @@
           <a:p>
             <a:fld id="{8720104C-3C9D-4B62-9936-5C987D21D7C9}" type="datetimeFigureOut">
               <a:rPr lang="ru-RU" smtClean="0"/>
-              <a:t>13.05.2023</a:t>
+              <a:t>01.06.2023</a:t>
             </a:fld>
             <a:endParaRPr lang="ru-RU"/>
           </a:p>
@@ -2455,7 +2455,7 @@
           <a:p>
             <a:fld id="{8720104C-3C9D-4B62-9936-5C987D21D7C9}" type="datetimeFigureOut">
               <a:rPr lang="ru-RU" smtClean="0"/>
-              <a:t>13.05.2023</a:t>
+              <a:t>01.06.2023</a:t>
             </a:fld>
             <a:endParaRPr lang="ru-RU"/>
           </a:p>
@@ -2625,7 +2625,7 @@
           <a:p>
             <a:fld id="{8720104C-3C9D-4B62-9936-5C987D21D7C9}" type="datetimeFigureOut">
               <a:rPr lang="ru-RU" smtClean="0"/>
-              <a:t>13.05.2023</a:t>
+              <a:t>01.06.2023</a:t>
             </a:fld>
             <a:endParaRPr lang="ru-RU"/>
           </a:p>
@@ -2805,7 +2805,7 @@
           <a:p>
             <a:fld id="{8720104C-3C9D-4B62-9936-5C987D21D7C9}" type="datetimeFigureOut">
               <a:rPr lang="ru-RU" smtClean="0"/>
-              <a:t>13.05.2023</a:t>
+              <a:t>01.06.2023</a:t>
             </a:fld>
             <a:endParaRPr lang="ru-RU"/>
           </a:p>
@@ -2981,7 +2981,7 @@
           <a:p>
             <a:fld id="{8720104C-3C9D-4B62-9936-5C987D21D7C9}" type="datetimeFigureOut">
               <a:rPr lang="ru-RU" smtClean="0"/>
-              <a:t>13.05.2023</a:t>
+              <a:t>01.06.2023</a:t>
             </a:fld>
             <a:endParaRPr lang="ru-RU"/>
           </a:p>
@@ -3228,7 +3228,7 @@
           <a:p>
             <a:fld id="{8720104C-3C9D-4B62-9936-5C987D21D7C9}" type="datetimeFigureOut">
               <a:rPr lang="ru-RU" smtClean="0"/>
-              <a:t>13.05.2023</a:t>
+              <a:t>01.06.2023</a:t>
             </a:fld>
             <a:endParaRPr lang="ru-RU"/>
           </a:p>
@@ -3460,7 +3460,7 @@
           <a:p>
             <a:fld id="{8720104C-3C9D-4B62-9936-5C987D21D7C9}" type="datetimeFigureOut">
               <a:rPr lang="ru-RU" smtClean="0"/>
-              <a:t>13.05.2023</a:t>
+              <a:t>01.06.2023</a:t>
             </a:fld>
             <a:endParaRPr lang="ru-RU"/>
           </a:p>
@@ -3834,7 +3834,7 @@
           <a:p>
             <a:fld id="{8720104C-3C9D-4B62-9936-5C987D21D7C9}" type="datetimeFigureOut">
               <a:rPr lang="ru-RU" smtClean="0"/>
-              <a:t>13.05.2023</a:t>
+              <a:t>01.06.2023</a:t>
             </a:fld>
             <a:endParaRPr lang="ru-RU"/>
           </a:p>
@@ -3957,7 +3957,7 @@
           <a:p>
             <a:fld id="{8720104C-3C9D-4B62-9936-5C987D21D7C9}" type="datetimeFigureOut">
               <a:rPr lang="ru-RU" smtClean="0"/>
-              <a:t>13.05.2023</a:t>
+              <a:t>01.06.2023</a:t>
             </a:fld>
             <a:endParaRPr lang="ru-RU"/>
           </a:p>
@@ -4052,7 +4052,7 @@
           <a:p>
             <a:fld id="{8720104C-3C9D-4B62-9936-5C987D21D7C9}" type="datetimeFigureOut">
               <a:rPr lang="ru-RU" smtClean="0"/>
-              <a:t>13.05.2023</a:t>
+              <a:t>01.06.2023</a:t>
             </a:fld>
             <a:endParaRPr lang="ru-RU"/>
           </a:p>
@@ -4307,7 +4307,7 @@
           <a:p>
             <a:fld id="{8720104C-3C9D-4B62-9936-5C987D21D7C9}" type="datetimeFigureOut">
               <a:rPr lang="ru-RU" smtClean="0"/>
-              <a:t>13.05.2023</a:t>
+              <a:t>01.06.2023</a:t>
             </a:fld>
             <a:endParaRPr lang="ru-RU"/>
           </a:p>
@@ -4570,7 +4570,7 @@
           <a:p>
             <a:fld id="{8720104C-3C9D-4B62-9936-5C987D21D7C9}" type="datetimeFigureOut">
               <a:rPr lang="ru-RU" smtClean="0"/>
-              <a:t>13.05.2023</a:t>
+              <a:t>01.06.2023</a:t>
             </a:fld>
             <a:endParaRPr lang="ru-RU"/>
           </a:p>
@@ -5313,7 +5313,7 @@
           <a:p>
             <a:fld id="{8720104C-3C9D-4B62-9936-5C987D21D7C9}" type="datetimeFigureOut">
               <a:rPr lang="ru-RU" smtClean="0"/>
-              <a:t>13.05.2023</a:t>
+              <a:t>01.06.2023</a:t>
             </a:fld>
             <a:endParaRPr lang="ru-RU"/>
           </a:p>
@@ -6721,45 +6721,34 @@
         </p:nvSpPr>
         <p:spPr>
           <a:xfrm>
-            <a:off x="0" y="124691"/>
-            <a:ext cx="12192000" cy="845127"/>
+            <a:off x="677334" y="609600"/>
+            <a:ext cx="10558702" cy="1320800"/>
           </a:xfrm>
         </p:spPr>
         <p:txBody>
           <a:bodyPr>
-            <a:normAutofit/>
+            <a:noAutofit/>
           </a:bodyPr>
           <a:lstStyle/>
           <a:p>
             <a:r>
-              <a:rPr lang="ru-RU" dirty="0">
+              <a:rPr lang="ru-RU" sz="4400" dirty="0">
                 <a:solidFill>
                   <a:schemeClr val="tx1"/>
                 </a:solidFill>
                 <a:latin typeface="Times New Roman" panose="02020603050405020304" pitchFamily="18" charset="0"/>
                 <a:cs typeface="Times New Roman" panose="02020603050405020304" pitchFamily="18" charset="0"/>
               </a:rPr>
-              <a:t>БЕЗОПАСНОСТЬ И ЭКОЛОГИЧНОСТЬ </a:t>
-            </a:r>
-            <a:r>
-              <a:rPr lang="ru-RU" dirty="0" smtClean="0">
-                <a:solidFill>
-                  <a:schemeClr val="tx1"/>
-                </a:solidFill>
-                <a:latin typeface="Times New Roman" panose="02020603050405020304" pitchFamily="18" charset="0"/>
-                <a:cs typeface="Times New Roman" panose="02020603050405020304" pitchFamily="18" charset="0"/>
-              </a:rPr>
-              <a:t>ТЕХ.ПРОЦЕССА</a:t>
-            </a:r>
-            <a:endParaRPr lang="ru-RU" dirty="0"/>
+              <a:t>Датчик температуры SITRANS TF2</a:t>
+            </a:r>
           </a:p>
         </p:txBody>
       </p:sp>
       <p:pic>
         <p:nvPicPr>
-          <p:cNvPr id="1026" name="Picture 2" descr="Что такое экология – значение, определение и виды | SHARAUT: Что это такое?  | Дзен"/>
+          <p:cNvPr id="4" name="Объект 3" descr="7NG3140-....."/>
           <p:cNvPicPr>
-            <a:picLocks noGrp="1" noChangeAspect="1" noChangeArrowheads="1"/>
+            <a:picLocks noGrp="1"/>
           </p:cNvPicPr>
           <p:nvPr>
             <p:ph idx="1"/>
@@ -6780,28 +6769,22 @@
         </p:blipFill>
         <p:spPr bwMode="auto">
           <a:xfrm>
-            <a:off x="1160753" y="969818"/>
-            <a:ext cx="8759102" cy="5832102"/>
+            <a:off x="2923308" y="2272145"/>
+            <a:ext cx="5583383" cy="3962400"/>
           </a:xfrm>
           <a:prstGeom prst="rect">
             <a:avLst/>
           </a:prstGeom>
           <a:noFill/>
-          <a:extLst>
-            <a:ext uri="{909E8E84-426E-40DD-AFC4-6F175D3DCCD1}">
-              <a14:hiddenFill xmlns:a14="http://schemas.microsoft.com/office/drawing/2010/main">
-                <a:solidFill>
-                  <a:srgbClr val="FFFFFF"/>
-                </a:solidFill>
-              </a14:hiddenFill>
-            </a:ext>
-          </a:extLst>
+          <a:ln>
+            <a:noFill/>
+          </a:ln>
         </p:spPr>
       </p:pic>
     </p:spTree>
     <p:extLst>
       <p:ext uri="{BB962C8B-B14F-4D97-AF65-F5344CB8AC3E}">
-        <p14:creationId xmlns:p14="http://schemas.microsoft.com/office/powerpoint/2010/main" val="1021495229"/>
+        <p14:creationId xmlns:p14="http://schemas.microsoft.com/office/powerpoint/2010/main" val="489691606"/>
       </p:ext>
     </p:extLst>
   </p:cSld>
@@ -6840,26 +6823,37 @@
         </p:nvSpPr>
         <p:spPr>
           <a:xfrm>
-            <a:off x="124691" y="180110"/>
-            <a:ext cx="11014364" cy="817418"/>
+            <a:off x="1037552" y="526472"/>
+            <a:ext cx="8596668" cy="1320800"/>
           </a:xfrm>
         </p:spPr>
         <p:txBody>
-          <a:bodyPr/>
-          <a:lstStyle/>
-          <a:p>
-            <a:pPr marL="285750" indent="-285750"/>
-            <a:r>
-              <a:rPr lang="ru-RU" dirty="0" smtClean="0">
+          <a:bodyPr>
+            <a:noAutofit/>
+          </a:bodyPr>
+          <a:lstStyle/>
+          <a:p>
+            <a:r>
+              <a:rPr lang="ru-RU" sz="5400" dirty="0">
                 <a:solidFill>
                   <a:schemeClr val="tx1"/>
                 </a:solidFill>
                 <a:latin typeface="Times New Roman" panose="02020603050405020304" pitchFamily="18" charset="0"/>
                 <a:cs typeface="Times New Roman" panose="02020603050405020304" pitchFamily="18" charset="0"/>
               </a:rPr>
-              <a:t>ТЕХНИКО-ЭКОНОМИЧЕСКИЕ ПОКАЗАТЕЛИ</a:t>
-            </a:r>
-            <a:endParaRPr lang="ru-RU" dirty="0">
+              <a:t>ПЛК SIMATIC </a:t>
+            </a:r>
+            <a:r>
+              <a:rPr lang="ru-RU" sz="5400" dirty="0" smtClean="0">
+                <a:solidFill>
+                  <a:schemeClr val="tx1"/>
+                </a:solidFill>
+                <a:latin typeface="Times New Roman" panose="02020603050405020304" pitchFamily="18" charset="0"/>
+                <a:cs typeface="Times New Roman" panose="02020603050405020304" pitchFamily="18" charset="0"/>
+              </a:rPr>
+              <a:t>S7-400</a:t>
+            </a:r>
+            <a:endParaRPr lang="ru-RU" sz="5400" dirty="0">
               <a:solidFill>
                 <a:schemeClr val="tx1"/>
               </a:solidFill>
@@ -6871,9 +6865,9 @@
       </p:sp>
       <p:pic>
         <p:nvPicPr>
-          <p:cNvPr id="3074" name="Picture 2" descr="Основные экономические показатели для инвестора - СберБанк |  Инвестиции.Доходчиво"/>
+          <p:cNvPr id="4" name="Объект 3" descr="Микроконтроллеры Simatic серии S7-400"/>
           <p:cNvPicPr>
-            <a:picLocks noGrp="1" noChangeAspect="1" noChangeArrowheads="1"/>
+            <a:picLocks noGrp="1"/>
           </p:cNvPicPr>
           <p:nvPr>
             <p:ph idx="1"/>
@@ -6894,28 +6888,22 @@
         </p:blipFill>
         <p:spPr bwMode="auto">
           <a:xfrm>
-            <a:off x="901052" y="1107643"/>
-            <a:ext cx="8852549" cy="5532843"/>
+            <a:off x="1778906" y="2185914"/>
+            <a:ext cx="6587488" cy="3979359"/>
           </a:xfrm>
           <a:prstGeom prst="rect">
             <a:avLst/>
           </a:prstGeom>
           <a:noFill/>
-          <a:extLst>
-            <a:ext uri="{909E8E84-426E-40DD-AFC4-6F175D3DCCD1}">
-              <a14:hiddenFill xmlns:a14="http://schemas.microsoft.com/office/drawing/2010/main">
-                <a:solidFill>
-                  <a:srgbClr val="FFFFFF"/>
-                </a:solidFill>
-              </a14:hiddenFill>
-            </a:ext>
-          </a:extLst>
+          <a:ln>
+            <a:noFill/>
+          </a:ln>
         </p:spPr>
       </p:pic>
     </p:spTree>
     <p:extLst>
       <p:ext uri="{BB962C8B-B14F-4D97-AF65-F5344CB8AC3E}">
-        <p14:creationId xmlns:p14="http://schemas.microsoft.com/office/powerpoint/2010/main" val="907799190"/>
+        <p14:creationId xmlns:p14="http://schemas.microsoft.com/office/powerpoint/2010/main" val="494503469"/>
       </p:ext>
     </p:extLst>
   </p:cSld>
